--- a/Android Networking Part 1.pptx
+++ b/Android Networking Part 1.pptx
@@ -279,7 +279,7 @@
           <a:p>
             <a:fld id="{FB501914-37C9-4F01-ABDA-48EE46C8D68F}" type="datetimeFigureOut">
               <a:rPr lang="en-US" smtClean="0"/>
-              <a:t>5/14/2017</a:t>
+              <a:t>5/15/2017</a:t>
             </a:fld>
             <a:endParaRPr lang="en-US"/>
           </a:p>
@@ -449,7 +449,7 @@
           <a:p>
             <a:fld id="{FB501914-37C9-4F01-ABDA-48EE46C8D68F}" type="datetimeFigureOut">
               <a:rPr lang="en-US" smtClean="0"/>
-              <a:t>5/14/2017</a:t>
+              <a:t>5/15/2017</a:t>
             </a:fld>
             <a:endParaRPr lang="en-US"/>
           </a:p>
@@ -629,7 +629,7 @@
           <a:p>
             <a:fld id="{FB501914-37C9-4F01-ABDA-48EE46C8D68F}" type="datetimeFigureOut">
               <a:rPr lang="en-US" smtClean="0"/>
-              <a:t>5/14/2017</a:t>
+              <a:t>5/15/2017</a:t>
             </a:fld>
             <a:endParaRPr lang="en-US"/>
           </a:p>
@@ -799,7 +799,7 @@
           <a:p>
             <a:fld id="{FB501914-37C9-4F01-ABDA-48EE46C8D68F}" type="datetimeFigureOut">
               <a:rPr lang="en-US" smtClean="0"/>
-              <a:t>5/14/2017</a:t>
+              <a:t>5/15/2017</a:t>
             </a:fld>
             <a:endParaRPr lang="en-US"/>
           </a:p>
@@ -1045,7 +1045,7 @@
           <a:p>
             <a:fld id="{FB501914-37C9-4F01-ABDA-48EE46C8D68F}" type="datetimeFigureOut">
               <a:rPr lang="en-US" smtClean="0"/>
-              <a:t>5/14/2017</a:t>
+              <a:t>5/15/2017</a:t>
             </a:fld>
             <a:endParaRPr lang="en-US"/>
           </a:p>
@@ -1277,7 +1277,7 @@
           <a:p>
             <a:fld id="{FB501914-37C9-4F01-ABDA-48EE46C8D68F}" type="datetimeFigureOut">
               <a:rPr lang="en-US" smtClean="0"/>
-              <a:t>5/14/2017</a:t>
+              <a:t>5/15/2017</a:t>
             </a:fld>
             <a:endParaRPr lang="en-US"/>
           </a:p>
@@ -1644,7 +1644,7 @@
           <a:p>
             <a:fld id="{FB501914-37C9-4F01-ABDA-48EE46C8D68F}" type="datetimeFigureOut">
               <a:rPr lang="en-US" smtClean="0"/>
-              <a:t>5/14/2017</a:t>
+              <a:t>5/15/2017</a:t>
             </a:fld>
             <a:endParaRPr lang="en-US"/>
           </a:p>
@@ -1762,7 +1762,7 @@
           <a:p>
             <a:fld id="{FB501914-37C9-4F01-ABDA-48EE46C8D68F}" type="datetimeFigureOut">
               <a:rPr lang="en-US" smtClean="0"/>
-              <a:t>5/14/2017</a:t>
+              <a:t>5/15/2017</a:t>
             </a:fld>
             <a:endParaRPr lang="en-US"/>
           </a:p>
@@ -1857,7 +1857,7 @@
           <a:p>
             <a:fld id="{FB501914-37C9-4F01-ABDA-48EE46C8D68F}" type="datetimeFigureOut">
               <a:rPr lang="en-US" smtClean="0"/>
-              <a:t>5/14/2017</a:t>
+              <a:t>5/15/2017</a:t>
             </a:fld>
             <a:endParaRPr lang="en-US"/>
           </a:p>
@@ -2134,7 +2134,7 @@
           <a:p>
             <a:fld id="{FB501914-37C9-4F01-ABDA-48EE46C8D68F}" type="datetimeFigureOut">
               <a:rPr lang="en-US" smtClean="0"/>
-              <a:t>5/14/2017</a:t>
+              <a:t>5/15/2017</a:t>
             </a:fld>
             <a:endParaRPr lang="en-US"/>
           </a:p>
@@ -2387,7 +2387,7 @@
           <a:p>
             <a:fld id="{FB501914-37C9-4F01-ABDA-48EE46C8D68F}" type="datetimeFigureOut">
               <a:rPr lang="en-US" smtClean="0"/>
-              <a:t>5/14/2017</a:t>
+              <a:t>5/15/2017</a:t>
             </a:fld>
             <a:endParaRPr lang="en-US"/>
           </a:p>
@@ -2600,7 +2600,7 @@
           <a:p>
             <a:fld id="{FB501914-37C9-4F01-ABDA-48EE46C8D68F}" type="datetimeFigureOut">
               <a:rPr lang="en-US" smtClean="0"/>
-              <a:t>5/14/2017</a:t>
+              <a:t>5/15/2017</a:t>
             </a:fld>
             <a:endParaRPr lang="en-US"/>
           </a:p>
@@ -3045,8 +3045,23 @@
           <a:p>
             <a:r>
               <a:rPr lang="en-US" dirty="0" smtClean="0"/>
-              <a:t>Minstrel Chiu</a:t>
-            </a:r>
+              <a:t>Minstrel </a:t>
+            </a:r>
+            <a:r>
+              <a:rPr lang="en-US" dirty="0" smtClean="0"/>
+              <a:t>Chiu</a:t>
+            </a:r>
+          </a:p>
+          <a:p>
+            <a:r>
+              <a:rPr lang="en-US" dirty="0" smtClean="0">
+                <a:hlinkClick r:id="rId2"/>
+              </a:rPr>
+              <a:t>minstrelsy@gmail.com</a:t>
+            </a:r>
+            <a:endParaRPr lang="en-US" dirty="0" smtClean="0"/>
+          </a:p>
+          <a:p>
             <a:endParaRPr lang="en-US" dirty="0"/>
           </a:p>
         </p:txBody>
@@ -4142,11 +4157,7 @@
             </a:r>
             <a:r>
               <a:rPr lang="en-US" smtClean="0"/>
-              <a:t> </a:t>
-            </a:r>
-            <a:r>
-              <a:rPr lang="en-US" smtClean="0"/>
-              <a:t>enabled demo</a:t>
+              <a:t> enabled demo</a:t>
             </a:r>
             <a:endParaRPr lang="en-US" dirty="0" smtClean="0"/>
           </a:p>
